--- a/diagrams/Diagrams.pptx
+++ b/diagrams/Diagrams.pptx
@@ -6,6 +6,7 @@
   </p:sldMasterIdLst>
   <p:sldIdLst>
     <p:sldId id="256" r:id="rId3"/>
+    <p:sldId id="257" r:id="rId4"/>
   </p:sldIdLst>
   <p:sldSz cx="12192000" cy="6858000"/>
   <p:notesSz cx="6858000" cy="9144000"/>
@@ -5355,6 +5356,1579 @@
 </p:sld>
 </file>
 
+<file path=ppt/slides/slide2.xml><?xml version="1.0" encoding="utf-8"?>
+<p:sld xmlns:a="http://schemas.openxmlformats.org/drawingml/2006/main" xmlns:r="http://schemas.openxmlformats.org/officeDocument/2006/relationships" xmlns:p="http://schemas.openxmlformats.org/presentationml/2006/main">
+  <p:cSld>
+    <p:spTree>
+      <p:nvGrpSpPr>
+        <p:cNvPr id="1" name=""/>
+        <p:cNvGrpSpPr/>
+        <p:nvPr/>
+      </p:nvGrpSpPr>
+      <p:grpSpPr/>
+      <p:sp>
+        <p:nvSpPr>
+          <p:cNvPr id="4" name="Rectangle 3"/>
+          <p:cNvSpPr/>
+          <p:nvPr/>
+        </p:nvSpPr>
+        <p:spPr>
+          <a:xfrm>
+            <a:off x="22860" y="635"/>
+            <a:ext cx="1387475" cy="379095"/>
+          </a:xfrm>
+          <a:prstGeom prst="rect">
+            <a:avLst/>
+          </a:prstGeom>
+        </p:spPr>
+        <p:style>
+          <a:lnRef idx="2">
+            <a:schemeClr val="accent2">
+              <a:shade val="50000"/>
+            </a:schemeClr>
+          </a:lnRef>
+          <a:fillRef idx="1">
+            <a:schemeClr val="accent2"/>
+          </a:fillRef>
+          <a:effectRef idx="0">
+            <a:schemeClr val="accent2"/>
+          </a:effectRef>
+          <a:fontRef idx="minor">
+            <a:schemeClr val="lt1"/>
+          </a:fontRef>
+        </p:style>
+        <p:txBody>
+          <a:bodyPr rtlCol="0" anchor="ctr"/>
+          <a:p>
+            <a:pPr algn="ctr"/>
+            <a:r>
+              <a:rPr lang="x-none" altLang="en-US"/>
+              <a:t>DA_AMiRo</a:t>
+            </a:r>
+            <a:endParaRPr lang="x-none" altLang="en-US"/>
+          </a:p>
+        </p:txBody>
+      </p:sp>
+      <p:cxnSp>
+        <p:nvCxnSpPr>
+          <p:cNvPr id="5" name="Elbow Connector 4"/>
+          <p:cNvCxnSpPr>
+            <a:stCxn id="4" idx="2"/>
+            <a:endCxn id="7" idx="1"/>
+          </p:cNvCxnSpPr>
+          <p:nvPr/>
+        </p:nvCxnSpPr>
+        <p:spPr>
+          <a:xfrm rot="5400000" flipV="1">
+            <a:off x="1123633" y="-26987"/>
+            <a:ext cx="395605" cy="1209040"/>
+          </a:xfrm>
+          <a:prstGeom prst="bentConnector2">
+            <a:avLst/>
+          </a:prstGeom>
+          <a:ln>
+            <a:tailEnd type="arrow" w="med" len="med"/>
+          </a:ln>
+        </p:spPr>
+        <p:style>
+          <a:lnRef idx="1">
+            <a:schemeClr val="dk1"/>
+          </a:lnRef>
+          <a:fillRef idx="0">
+            <a:schemeClr val="dk1"/>
+          </a:fillRef>
+          <a:effectRef idx="0">
+            <a:schemeClr val="dk1"/>
+          </a:effectRef>
+          <a:fontRef idx="minor">
+            <a:schemeClr val="tx1"/>
+          </a:fontRef>
+        </p:style>
+      </p:cxnSp>
+      <p:sp>
+        <p:nvSpPr>
+          <p:cNvPr id="7" name="Rectangle 6"/>
+          <p:cNvSpPr/>
+          <p:nvPr/>
+        </p:nvSpPr>
+        <p:spPr>
+          <a:xfrm>
+            <a:off x="1925955" y="585470"/>
+            <a:ext cx="1761490" cy="379095"/>
+          </a:xfrm>
+          <a:prstGeom prst="rect">
+            <a:avLst/>
+          </a:prstGeom>
+        </p:spPr>
+        <p:style>
+          <a:lnRef idx="2">
+            <a:schemeClr val="accent1">
+              <a:shade val="50000"/>
+            </a:schemeClr>
+          </a:lnRef>
+          <a:fillRef idx="1">
+            <a:schemeClr val="accent1"/>
+          </a:fillRef>
+          <a:effectRef idx="0">
+            <a:schemeClr val="accent1"/>
+          </a:effectRef>
+          <a:fontRef idx="minor">
+            <a:schemeClr val="lt1"/>
+          </a:fontRef>
+        </p:style>
+        <p:txBody>
+          <a:bodyPr rtlCol="0" anchor="ctr"/>
+          <a:p>
+            <a:pPr algn="ctr"/>
+            <a:r>
+              <a:rPr lang="x-none" altLang="en-US" sz="1500"/>
+              <a:t>amiro_1.0_stable</a:t>
+            </a:r>
+            <a:endParaRPr lang="x-none" altLang="en-US" sz="1500"/>
+          </a:p>
+        </p:txBody>
+      </p:sp>
+      <p:cxnSp>
+        <p:nvCxnSpPr>
+          <p:cNvPr id="8" name="Elbow Connector 7"/>
+          <p:cNvCxnSpPr>
+            <a:stCxn id="4" idx="2"/>
+            <a:endCxn id="9" idx="1"/>
+          </p:cNvCxnSpPr>
+          <p:nvPr/>
+        </p:nvCxnSpPr>
+        <p:spPr>
+          <a:xfrm rot="5400000" flipV="1">
+            <a:off x="338138" y="758508"/>
+            <a:ext cx="1969135" cy="1211580"/>
+          </a:xfrm>
+          <a:prstGeom prst="bentConnector2">
+            <a:avLst/>
+          </a:prstGeom>
+          <a:ln>
+            <a:tailEnd type="arrow" w="med" len="med"/>
+          </a:ln>
+        </p:spPr>
+        <p:style>
+          <a:lnRef idx="1">
+            <a:schemeClr val="dk1"/>
+          </a:lnRef>
+          <a:fillRef idx="0">
+            <a:schemeClr val="dk1"/>
+          </a:fillRef>
+          <a:effectRef idx="0">
+            <a:schemeClr val="dk1"/>
+          </a:effectRef>
+          <a:fontRef idx="minor">
+            <a:schemeClr val="tx1"/>
+          </a:fontRef>
+        </p:style>
+      </p:cxnSp>
+      <p:sp>
+        <p:nvSpPr>
+          <p:cNvPr id="9" name="Rectangle 8"/>
+          <p:cNvSpPr/>
+          <p:nvPr/>
+        </p:nvSpPr>
+        <p:spPr>
+          <a:xfrm>
+            <a:off x="1928495" y="2159000"/>
+            <a:ext cx="1762125" cy="379095"/>
+          </a:xfrm>
+          <a:prstGeom prst="rect">
+            <a:avLst/>
+          </a:prstGeom>
+        </p:spPr>
+        <p:style>
+          <a:lnRef idx="2">
+            <a:schemeClr val="accent1">
+              <a:shade val="50000"/>
+            </a:schemeClr>
+          </a:lnRef>
+          <a:fillRef idx="1">
+            <a:schemeClr val="accent1"/>
+          </a:fillRef>
+          <a:effectRef idx="0">
+            <a:schemeClr val="accent1"/>
+          </a:effectRef>
+          <a:fontRef idx="minor">
+            <a:schemeClr val="lt1"/>
+          </a:fontRef>
+        </p:style>
+        <p:txBody>
+          <a:bodyPr rtlCol="0" anchor="ctr"/>
+          <a:p>
+            <a:pPr algn="ctr"/>
+            <a:r>
+              <a:rPr lang="x-none" altLang="en-US" sz="1500"/>
+              <a:t>Devices</a:t>
+            </a:r>
+            <a:endParaRPr lang="x-none" altLang="en-US" sz="1500"/>
+          </a:p>
+        </p:txBody>
+      </p:sp>
+      <p:sp>
+        <p:nvSpPr>
+          <p:cNvPr id="16" name="Rectangle 15"/>
+          <p:cNvSpPr/>
+          <p:nvPr/>
+        </p:nvSpPr>
+        <p:spPr>
+          <a:xfrm>
+            <a:off x="3996690" y="73660"/>
+            <a:ext cx="1749425" cy="379095"/>
+          </a:xfrm>
+          <a:prstGeom prst="rect">
+            <a:avLst/>
+          </a:prstGeom>
+        </p:spPr>
+        <p:style>
+          <a:lnRef idx="2">
+            <a:schemeClr val="accent3">
+              <a:shade val="50000"/>
+            </a:schemeClr>
+          </a:lnRef>
+          <a:fillRef idx="1">
+            <a:schemeClr val="accent3"/>
+          </a:fillRef>
+          <a:effectRef idx="0">
+            <a:schemeClr val="accent3"/>
+          </a:effectRef>
+          <a:fontRef idx="minor">
+            <a:schemeClr val="lt1"/>
+          </a:fontRef>
+        </p:style>
+        <p:txBody>
+          <a:bodyPr rtlCol="0" anchor="ctr"/>
+          <a:p>
+            <a:pPr algn="ctr"/>
+            <a:r>
+              <a:rPr lang="x-none" altLang="en-US" sz="1300"/>
+              <a:t>amiro-btl</a:t>
+            </a:r>
+            <a:endParaRPr lang="x-none" altLang="en-US" sz="1300"/>
+          </a:p>
+        </p:txBody>
+      </p:sp>
+      <p:sp>
+        <p:nvSpPr>
+          <p:cNvPr id="18" name="Rectangle 17"/>
+          <p:cNvSpPr/>
+          <p:nvPr/>
+        </p:nvSpPr>
+        <p:spPr>
+          <a:xfrm>
+            <a:off x="4006850" y="580390"/>
+            <a:ext cx="1763395" cy="379095"/>
+          </a:xfrm>
+          <a:prstGeom prst="rect">
+            <a:avLst/>
+          </a:prstGeom>
+        </p:spPr>
+        <p:style>
+          <a:lnRef idx="2">
+            <a:schemeClr val="accent3">
+              <a:shade val="50000"/>
+            </a:schemeClr>
+          </a:lnRef>
+          <a:fillRef idx="1">
+            <a:schemeClr val="accent3"/>
+          </a:fillRef>
+          <a:effectRef idx="0">
+            <a:schemeClr val="accent3"/>
+          </a:effectRef>
+          <a:fontRef idx="minor">
+            <a:schemeClr val="lt1"/>
+          </a:fontRef>
+        </p:style>
+        <p:txBody>
+          <a:bodyPr rtlCol="0" anchor="ctr"/>
+          <a:p>
+            <a:pPr algn="ctr"/>
+            <a:r>
+              <a:rPr lang="x-none" altLang="en-US" sz="1300"/>
+              <a:t>amiro-os</a:t>
+            </a:r>
+            <a:endParaRPr lang="x-none" altLang="en-US" sz="1300"/>
+          </a:p>
+        </p:txBody>
+      </p:sp>
+      <p:sp>
+        <p:nvSpPr>
+          <p:cNvPr id="20" name="Rectangle 19"/>
+          <p:cNvSpPr/>
+          <p:nvPr/>
+        </p:nvSpPr>
+        <p:spPr>
+          <a:xfrm>
+            <a:off x="4003675" y="1080135"/>
+            <a:ext cx="1762125" cy="379095"/>
+          </a:xfrm>
+          <a:prstGeom prst="rect">
+            <a:avLst/>
+          </a:prstGeom>
+        </p:spPr>
+        <p:style>
+          <a:lnRef idx="2">
+            <a:schemeClr val="accent3">
+              <a:shade val="50000"/>
+            </a:schemeClr>
+          </a:lnRef>
+          <a:fillRef idx="1">
+            <a:schemeClr val="accent3"/>
+          </a:fillRef>
+          <a:effectRef idx="0">
+            <a:schemeClr val="accent3"/>
+          </a:effectRef>
+          <a:fontRef idx="minor">
+            <a:schemeClr val="lt1"/>
+          </a:fontRef>
+        </p:style>
+        <p:txBody>
+          <a:bodyPr rtlCol="0" anchor="ctr"/>
+          <a:p>
+            <a:pPr algn="ctr"/>
+            <a:r>
+              <a:rPr lang="x-none" altLang="en-US" sz="1300"/>
+              <a:t>ChibiOS</a:t>
+            </a:r>
+            <a:endParaRPr lang="x-none" altLang="en-US" sz="1300"/>
+          </a:p>
+        </p:txBody>
+      </p:sp>
+      <p:sp>
+        <p:nvSpPr>
+          <p:cNvPr id="22" name="Rectangle 21"/>
+          <p:cNvSpPr/>
+          <p:nvPr/>
+        </p:nvSpPr>
+        <p:spPr>
+          <a:xfrm>
+            <a:off x="3987165" y="1615440"/>
+            <a:ext cx="1764665" cy="379095"/>
+          </a:xfrm>
+          <a:prstGeom prst="rect">
+            <a:avLst/>
+          </a:prstGeom>
+        </p:spPr>
+        <p:style>
+          <a:lnRef idx="2">
+            <a:schemeClr val="accent3">
+              <a:shade val="50000"/>
+            </a:schemeClr>
+          </a:lnRef>
+          <a:fillRef idx="1">
+            <a:schemeClr val="accent3"/>
+          </a:fillRef>
+          <a:effectRef idx="0">
+            <a:schemeClr val="accent3"/>
+          </a:effectRef>
+          <a:fontRef idx="minor">
+            <a:schemeClr val="lt1"/>
+          </a:fontRef>
+        </p:style>
+        <p:txBody>
+          <a:bodyPr rtlCol="0" anchor="ctr"/>
+          <a:p>
+            <a:pPr algn="ctr"/>
+            <a:r>
+              <a:rPr lang="x-none" altLang="en-US" sz="1300"/>
+              <a:t>DiWheelDrive</a:t>
+            </a:r>
+            <a:endParaRPr lang="x-none" altLang="en-US" sz="1300"/>
+          </a:p>
+        </p:txBody>
+      </p:sp>
+      <p:sp>
+        <p:nvSpPr>
+          <p:cNvPr id="24" name="Rectangle 23"/>
+          <p:cNvSpPr/>
+          <p:nvPr/>
+        </p:nvSpPr>
+        <p:spPr>
+          <a:xfrm>
+            <a:off x="3987165" y="2050415"/>
+            <a:ext cx="1772920" cy="379095"/>
+          </a:xfrm>
+          <a:prstGeom prst="rect">
+            <a:avLst/>
+          </a:prstGeom>
+        </p:spPr>
+        <p:style>
+          <a:lnRef idx="2">
+            <a:schemeClr val="accent3">
+              <a:shade val="50000"/>
+            </a:schemeClr>
+          </a:lnRef>
+          <a:fillRef idx="1">
+            <a:schemeClr val="accent3"/>
+          </a:fillRef>
+          <a:effectRef idx="0">
+            <a:schemeClr val="accent3"/>
+          </a:effectRef>
+          <a:fontRef idx="minor">
+            <a:schemeClr val="lt1"/>
+          </a:fontRef>
+        </p:style>
+        <p:txBody>
+          <a:bodyPr rtlCol="0" anchor="ctr"/>
+          <a:p>
+            <a:pPr algn="ctr"/>
+            <a:r>
+              <a:rPr lang="x-none" altLang="en-US" sz="1300"/>
+              <a:t>PowerManagement</a:t>
+            </a:r>
+            <a:endParaRPr lang="x-none" altLang="en-US" sz="1300"/>
+          </a:p>
+        </p:txBody>
+      </p:sp>
+      <p:sp>
+        <p:nvSpPr>
+          <p:cNvPr id="2" name="Rectangle 1"/>
+          <p:cNvSpPr/>
+          <p:nvPr/>
+        </p:nvSpPr>
+        <p:spPr>
+          <a:xfrm>
+            <a:off x="1912620" y="3543300"/>
+            <a:ext cx="1762125" cy="379095"/>
+          </a:xfrm>
+          <a:prstGeom prst="rect">
+            <a:avLst/>
+          </a:prstGeom>
+        </p:spPr>
+        <p:style>
+          <a:lnRef idx="2">
+            <a:schemeClr val="accent1">
+              <a:shade val="50000"/>
+            </a:schemeClr>
+          </a:lnRef>
+          <a:fillRef idx="1">
+            <a:schemeClr val="accent1"/>
+          </a:fillRef>
+          <a:effectRef idx="0">
+            <a:schemeClr val="accent1"/>
+          </a:effectRef>
+          <a:fontRef idx="minor">
+            <a:schemeClr val="lt1"/>
+          </a:fontRef>
+        </p:style>
+        <p:txBody>
+          <a:bodyPr rtlCol="0" anchor="ctr"/>
+          <a:p>
+            <a:pPr algn="ctr"/>
+            <a:r>
+              <a:rPr lang="x-none" altLang="en-US" sz="1500"/>
+              <a:t>Documentation</a:t>
+            </a:r>
+            <a:endParaRPr lang="x-none" altLang="en-US" sz="1500"/>
+          </a:p>
+        </p:txBody>
+      </p:sp>
+      <p:sp>
+        <p:nvSpPr>
+          <p:cNvPr id="3" name="Rectangle 2"/>
+          <p:cNvSpPr/>
+          <p:nvPr/>
+        </p:nvSpPr>
+        <p:spPr>
+          <a:xfrm>
+            <a:off x="1912620" y="4930775"/>
+            <a:ext cx="1788795" cy="379095"/>
+          </a:xfrm>
+          <a:prstGeom prst="rect">
+            <a:avLst/>
+          </a:prstGeom>
+        </p:spPr>
+        <p:style>
+          <a:lnRef idx="2">
+            <a:schemeClr val="accent1">
+              <a:shade val="50000"/>
+            </a:schemeClr>
+          </a:lnRef>
+          <a:fillRef idx="1">
+            <a:schemeClr val="accent1"/>
+          </a:fillRef>
+          <a:effectRef idx="0">
+            <a:schemeClr val="accent1"/>
+          </a:effectRef>
+          <a:fontRef idx="minor">
+            <a:schemeClr val="lt1"/>
+          </a:fontRef>
+        </p:style>
+        <p:txBody>
+          <a:bodyPr rtlCol="0" anchor="ctr"/>
+          <a:p>
+            <a:pPr algn="ctr"/>
+            <a:r>
+              <a:rPr lang="x-none" altLang="en-US" sz="1500"/>
+              <a:t>Peripheral-Drivers</a:t>
+            </a:r>
+            <a:endParaRPr lang="x-none" altLang="en-US" sz="1500"/>
+          </a:p>
+        </p:txBody>
+      </p:sp>
+      <p:sp>
+        <p:nvSpPr>
+          <p:cNvPr id="6" name="Rectangle 5"/>
+          <p:cNvSpPr/>
+          <p:nvPr/>
+        </p:nvSpPr>
+        <p:spPr>
+          <a:xfrm>
+            <a:off x="1910080" y="6080760"/>
+            <a:ext cx="1788795" cy="379095"/>
+          </a:xfrm>
+          <a:prstGeom prst="rect">
+            <a:avLst/>
+          </a:prstGeom>
+        </p:spPr>
+        <p:style>
+          <a:lnRef idx="2">
+            <a:schemeClr val="accent1">
+              <a:shade val="50000"/>
+            </a:schemeClr>
+          </a:lnRef>
+          <a:fillRef idx="1">
+            <a:schemeClr val="accent1"/>
+          </a:fillRef>
+          <a:effectRef idx="0">
+            <a:schemeClr val="accent1"/>
+          </a:effectRef>
+          <a:fontRef idx="minor">
+            <a:schemeClr val="lt1"/>
+          </a:fontRef>
+        </p:style>
+        <p:txBody>
+          <a:bodyPr rtlCol="0" anchor="ctr"/>
+          <a:p>
+            <a:pPr algn="ctr"/>
+            <a:r>
+              <a:rPr lang="x-none" altLang="en-US" sz="1500"/>
+              <a:t>PulseAT</a:t>
+            </a:r>
+            <a:endParaRPr lang="x-none" altLang="en-US" sz="1500"/>
+          </a:p>
+        </p:txBody>
+      </p:sp>
+      <p:cxnSp>
+        <p:nvCxnSpPr>
+          <p:cNvPr id="11" name="Elbow Connector 10"/>
+          <p:cNvCxnSpPr>
+            <a:stCxn id="7" idx="3"/>
+            <a:endCxn id="16" idx="1"/>
+          </p:cNvCxnSpPr>
+          <p:nvPr/>
+        </p:nvCxnSpPr>
+        <p:spPr>
+          <a:xfrm flipV="1">
+            <a:off x="3687445" y="263525"/>
+            <a:ext cx="309245" cy="511810"/>
+          </a:xfrm>
+          <a:prstGeom prst="bentConnector3">
+            <a:avLst>
+              <a:gd name="adj1" fmla="val 50103"/>
+            </a:avLst>
+          </a:prstGeom>
+          <a:ln>
+            <a:tailEnd type="arrow" w="med" len="med"/>
+          </a:ln>
+        </p:spPr>
+        <p:style>
+          <a:lnRef idx="1">
+            <a:schemeClr val="dk1"/>
+          </a:lnRef>
+          <a:fillRef idx="0">
+            <a:schemeClr val="dk1"/>
+          </a:fillRef>
+          <a:effectRef idx="0">
+            <a:schemeClr val="dk1"/>
+          </a:effectRef>
+          <a:fontRef idx="minor">
+            <a:schemeClr val="tx1"/>
+          </a:fontRef>
+        </p:style>
+      </p:cxnSp>
+      <p:cxnSp>
+        <p:nvCxnSpPr>
+          <p:cNvPr id="12" name="Elbow Connector 11"/>
+          <p:cNvCxnSpPr>
+            <a:stCxn id="7" idx="3"/>
+            <a:endCxn id="18" idx="1"/>
+          </p:cNvCxnSpPr>
+          <p:nvPr/>
+        </p:nvCxnSpPr>
+        <p:spPr>
+          <a:xfrm flipV="1">
+            <a:off x="3687445" y="770255"/>
+            <a:ext cx="319405" cy="5080"/>
+          </a:xfrm>
+          <a:prstGeom prst="bentConnector3">
+            <a:avLst>
+              <a:gd name="adj1" fmla="val 50099"/>
+            </a:avLst>
+          </a:prstGeom>
+          <a:ln>
+            <a:tailEnd type="arrow" w="med" len="med"/>
+          </a:ln>
+        </p:spPr>
+        <p:style>
+          <a:lnRef idx="1">
+            <a:schemeClr val="dk1"/>
+          </a:lnRef>
+          <a:fillRef idx="0">
+            <a:schemeClr val="dk1"/>
+          </a:fillRef>
+          <a:effectRef idx="0">
+            <a:schemeClr val="dk1"/>
+          </a:effectRef>
+          <a:fontRef idx="minor">
+            <a:schemeClr val="tx1"/>
+          </a:fontRef>
+        </p:style>
+      </p:cxnSp>
+      <p:cxnSp>
+        <p:nvCxnSpPr>
+          <p:cNvPr id="13" name="Elbow Connector 12"/>
+          <p:cNvCxnSpPr>
+            <a:stCxn id="7" idx="3"/>
+            <a:endCxn id="20" idx="1"/>
+          </p:cNvCxnSpPr>
+          <p:nvPr/>
+        </p:nvCxnSpPr>
+        <p:spPr>
+          <a:xfrm>
+            <a:off x="3687445" y="775335"/>
+            <a:ext cx="316230" cy="494665"/>
+          </a:xfrm>
+          <a:prstGeom prst="bentConnector3">
+            <a:avLst>
+              <a:gd name="adj1" fmla="val 50000"/>
+            </a:avLst>
+          </a:prstGeom>
+          <a:ln>
+            <a:tailEnd type="arrow" w="med" len="med"/>
+          </a:ln>
+        </p:spPr>
+        <p:style>
+          <a:lnRef idx="1">
+            <a:schemeClr val="dk1"/>
+          </a:lnRef>
+          <a:fillRef idx="0">
+            <a:schemeClr val="dk1"/>
+          </a:fillRef>
+          <a:effectRef idx="0">
+            <a:schemeClr val="dk1"/>
+          </a:effectRef>
+          <a:fontRef idx="minor">
+            <a:schemeClr val="tx1"/>
+          </a:fontRef>
+        </p:style>
+      </p:cxnSp>
+      <p:sp>
+        <p:nvSpPr>
+          <p:cNvPr id="14" name="Rectangle 13"/>
+          <p:cNvSpPr/>
+          <p:nvPr/>
+        </p:nvSpPr>
+        <p:spPr>
+          <a:xfrm>
+            <a:off x="3986530" y="2491105"/>
+            <a:ext cx="1764665" cy="379095"/>
+          </a:xfrm>
+          <a:prstGeom prst="rect">
+            <a:avLst/>
+          </a:prstGeom>
+        </p:spPr>
+        <p:style>
+          <a:lnRef idx="2">
+            <a:schemeClr val="accent3">
+              <a:shade val="50000"/>
+            </a:schemeClr>
+          </a:lnRef>
+          <a:fillRef idx="1">
+            <a:schemeClr val="accent3"/>
+          </a:fillRef>
+          <a:effectRef idx="0">
+            <a:schemeClr val="accent3"/>
+          </a:effectRef>
+          <a:fontRef idx="minor">
+            <a:schemeClr val="lt1"/>
+          </a:fontRef>
+        </p:style>
+        <p:txBody>
+          <a:bodyPr rtlCol="0" anchor="ctr"/>
+          <a:p>
+            <a:pPr algn="ctr"/>
+            <a:r>
+              <a:rPr lang="x-none" altLang="en-US" sz="1300"/>
+              <a:t>LightRing</a:t>
+            </a:r>
+            <a:endParaRPr lang="x-none" altLang="en-US" sz="1300"/>
+          </a:p>
+        </p:txBody>
+      </p:sp>
+      <p:sp>
+        <p:nvSpPr>
+          <p:cNvPr id="25" name="Rectangle 24"/>
+          <p:cNvSpPr/>
+          <p:nvPr/>
+        </p:nvSpPr>
+        <p:spPr>
+          <a:xfrm>
+            <a:off x="3986530" y="2926080"/>
+            <a:ext cx="1772920" cy="379095"/>
+          </a:xfrm>
+          <a:prstGeom prst="rect">
+            <a:avLst/>
+          </a:prstGeom>
+        </p:spPr>
+        <p:style>
+          <a:lnRef idx="2">
+            <a:schemeClr val="accent3">
+              <a:shade val="50000"/>
+            </a:schemeClr>
+          </a:lnRef>
+          <a:fillRef idx="1">
+            <a:schemeClr val="accent3"/>
+          </a:fillRef>
+          <a:effectRef idx="0">
+            <a:schemeClr val="accent3"/>
+          </a:effectRef>
+          <a:fontRef idx="minor">
+            <a:schemeClr val="lt1"/>
+          </a:fontRef>
+        </p:style>
+        <p:txBody>
+          <a:bodyPr rtlCol="0" anchor="ctr"/>
+          <a:p>
+            <a:pPr algn="ctr"/>
+            <a:r>
+              <a:rPr lang="x-none" altLang="en-US" sz="1300"/>
+              <a:t>Reflective_Opereator</a:t>
+            </a:r>
+            <a:endParaRPr lang="x-none" altLang="en-US" sz="1300"/>
+          </a:p>
+        </p:txBody>
+      </p:sp>
+      <p:cxnSp>
+        <p:nvCxnSpPr>
+          <p:cNvPr id="26" name="Elbow Connector 25"/>
+          <p:cNvCxnSpPr>
+            <a:stCxn id="9" idx="3"/>
+            <a:endCxn id="22" idx="1"/>
+          </p:cNvCxnSpPr>
+          <p:nvPr/>
+        </p:nvCxnSpPr>
+        <p:spPr>
+          <a:xfrm flipV="1">
+            <a:off x="3690620" y="1805305"/>
+            <a:ext cx="296545" cy="543560"/>
+          </a:xfrm>
+          <a:prstGeom prst="bentConnector3">
+            <a:avLst>
+              <a:gd name="adj1" fmla="val 50107"/>
+            </a:avLst>
+          </a:prstGeom>
+          <a:ln>
+            <a:tailEnd type="arrow" w="med" len="med"/>
+          </a:ln>
+        </p:spPr>
+        <p:style>
+          <a:lnRef idx="1">
+            <a:schemeClr val="dk1"/>
+          </a:lnRef>
+          <a:fillRef idx="0">
+            <a:schemeClr val="dk1"/>
+          </a:fillRef>
+          <a:effectRef idx="0">
+            <a:schemeClr val="dk1"/>
+          </a:effectRef>
+          <a:fontRef idx="minor">
+            <a:schemeClr val="tx1"/>
+          </a:fontRef>
+        </p:style>
+      </p:cxnSp>
+      <p:cxnSp>
+        <p:nvCxnSpPr>
+          <p:cNvPr id="27" name="Elbow Connector 26"/>
+          <p:cNvCxnSpPr>
+            <a:stCxn id="9" idx="3"/>
+            <a:endCxn id="24" idx="1"/>
+          </p:cNvCxnSpPr>
+          <p:nvPr/>
+        </p:nvCxnSpPr>
+        <p:spPr>
+          <a:xfrm flipV="1">
+            <a:off x="3690620" y="2240280"/>
+            <a:ext cx="296545" cy="108585"/>
+          </a:xfrm>
+          <a:prstGeom prst="bentConnector3">
+            <a:avLst>
+              <a:gd name="adj1" fmla="val 50107"/>
+            </a:avLst>
+          </a:prstGeom>
+          <a:ln>
+            <a:tailEnd type="arrow" w="med" len="med"/>
+          </a:ln>
+        </p:spPr>
+        <p:style>
+          <a:lnRef idx="1">
+            <a:schemeClr val="dk1"/>
+          </a:lnRef>
+          <a:fillRef idx="0">
+            <a:schemeClr val="dk1"/>
+          </a:fillRef>
+          <a:effectRef idx="0">
+            <a:schemeClr val="dk1"/>
+          </a:effectRef>
+          <a:fontRef idx="minor">
+            <a:schemeClr val="tx1"/>
+          </a:fontRef>
+        </p:style>
+      </p:cxnSp>
+      <p:cxnSp>
+        <p:nvCxnSpPr>
+          <p:cNvPr id="28" name="Elbow Connector 27"/>
+          <p:cNvCxnSpPr>
+            <a:stCxn id="9" idx="3"/>
+            <a:endCxn id="14" idx="1"/>
+          </p:cNvCxnSpPr>
+          <p:nvPr/>
+        </p:nvCxnSpPr>
+        <p:spPr>
+          <a:xfrm>
+            <a:off x="3690620" y="2348865"/>
+            <a:ext cx="295910" cy="332105"/>
+          </a:xfrm>
+          <a:prstGeom prst="bentConnector3">
+            <a:avLst>
+              <a:gd name="adj1" fmla="val 50000"/>
+            </a:avLst>
+          </a:prstGeom>
+          <a:ln>
+            <a:tailEnd type="arrow" w="med" len="med"/>
+          </a:ln>
+        </p:spPr>
+        <p:style>
+          <a:lnRef idx="1">
+            <a:schemeClr val="dk1"/>
+          </a:lnRef>
+          <a:fillRef idx="0">
+            <a:schemeClr val="dk1"/>
+          </a:fillRef>
+          <a:effectRef idx="0">
+            <a:schemeClr val="dk1"/>
+          </a:effectRef>
+          <a:fontRef idx="minor">
+            <a:schemeClr val="tx1"/>
+          </a:fontRef>
+        </p:style>
+      </p:cxnSp>
+      <p:cxnSp>
+        <p:nvCxnSpPr>
+          <p:cNvPr id="29" name="Elbow Connector 28"/>
+          <p:cNvCxnSpPr>
+            <a:stCxn id="9" idx="3"/>
+            <a:endCxn id="25" idx="1"/>
+          </p:cNvCxnSpPr>
+          <p:nvPr/>
+        </p:nvCxnSpPr>
+        <p:spPr>
+          <a:xfrm>
+            <a:off x="3690620" y="2348865"/>
+            <a:ext cx="295910" cy="767080"/>
+          </a:xfrm>
+          <a:prstGeom prst="bentConnector3">
+            <a:avLst>
+              <a:gd name="adj1" fmla="val 50000"/>
+            </a:avLst>
+          </a:prstGeom>
+          <a:ln>
+            <a:tailEnd type="arrow" w="med" len="med"/>
+          </a:ln>
+        </p:spPr>
+        <p:style>
+          <a:lnRef idx="1">
+            <a:schemeClr val="dk1"/>
+          </a:lnRef>
+          <a:fillRef idx="0">
+            <a:schemeClr val="dk1"/>
+          </a:fillRef>
+          <a:effectRef idx="0">
+            <a:schemeClr val="dk1"/>
+          </a:effectRef>
+          <a:fontRef idx="minor">
+            <a:schemeClr val="tx1"/>
+          </a:fontRef>
+        </p:style>
+      </p:cxnSp>
+      <p:sp>
+        <p:nvSpPr>
+          <p:cNvPr id="30" name="Rectangle 29"/>
+          <p:cNvSpPr/>
+          <p:nvPr/>
+        </p:nvSpPr>
+        <p:spPr>
+          <a:xfrm>
+            <a:off x="3986530" y="3532505"/>
+            <a:ext cx="1772920" cy="379095"/>
+          </a:xfrm>
+          <a:prstGeom prst="rect">
+            <a:avLst/>
+          </a:prstGeom>
+        </p:spPr>
+        <p:style>
+          <a:lnRef idx="2">
+            <a:schemeClr val="accent3">
+              <a:shade val="50000"/>
+            </a:schemeClr>
+          </a:lnRef>
+          <a:fillRef idx="1">
+            <a:schemeClr val="accent3"/>
+          </a:fillRef>
+          <a:effectRef idx="0">
+            <a:schemeClr val="accent3"/>
+          </a:effectRef>
+          <a:fontRef idx="minor">
+            <a:schemeClr val="lt1"/>
+          </a:fontRef>
+        </p:style>
+        <p:txBody>
+          <a:bodyPr rtlCol="0" anchor="ctr"/>
+          <a:p>
+            <a:pPr algn="ctr"/>
+            <a:r>
+              <a:rPr lang="x-none" altLang="en-US" sz="1300"/>
+              <a:t>Previous papers &amp; presentations</a:t>
+            </a:r>
+            <a:endParaRPr lang="x-none" altLang="en-US" sz="1300"/>
+          </a:p>
+        </p:txBody>
+      </p:sp>
+      <p:cxnSp>
+        <p:nvCxnSpPr>
+          <p:cNvPr id="31" name="Straight Arrow Connector 30"/>
+          <p:cNvCxnSpPr>
+            <a:stCxn id="2" idx="3"/>
+            <a:endCxn id="30" idx="1"/>
+          </p:cNvCxnSpPr>
+          <p:nvPr/>
+        </p:nvCxnSpPr>
+        <p:spPr>
+          <a:xfrm flipV="1">
+            <a:off x="3674745" y="3722370"/>
+            <a:ext cx="311785" cy="10795"/>
+          </a:xfrm>
+          <a:prstGeom prst="straightConnector1">
+            <a:avLst/>
+          </a:prstGeom>
+          <a:ln>
+            <a:tailEnd type="arrow" w="med" len="med"/>
+          </a:ln>
+        </p:spPr>
+        <p:style>
+          <a:lnRef idx="1">
+            <a:schemeClr val="dk1"/>
+          </a:lnRef>
+          <a:fillRef idx="0">
+            <a:schemeClr val="dk1"/>
+          </a:fillRef>
+          <a:effectRef idx="0">
+            <a:schemeClr val="dk1"/>
+          </a:effectRef>
+          <a:fontRef idx="minor">
+            <a:schemeClr val="tx1"/>
+          </a:fontRef>
+        </p:style>
+      </p:cxnSp>
+      <p:sp>
+        <p:nvSpPr>
+          <p:cNvPr id="32" name="Rectangle 31"/>
+          <p:cNvSpPr/>
+          <p:nvPr/>
+        </p:nvSpPr>
+        <p:spPr>
+          <a:xfrm>
+            <a:off x="6410325" y="1938655"/>
+            <a:ext cx="1441450" cy="268605"/>
+          </a:xfrm>
+          <a:prstGeom prst="rect">
+            <a:avLst/>
+          </a:prstGeom>
+          <a:solidFill>
+            <a:schemeClr val="accent6">
+              <a:lumMod val="60000"/>
+              <a:lumOff val="40000"/>
+            </a:schemeClr>
+          </a:solidFill>
+        </p:spPr>
+        <p:style>
+          <a:lnRef idx="2">
+            <a:schemeClr val="accent3">
+              <a:shade val="50000"/>
+            </a:schemeClr>
+          </a:lnRef>
+          <a:fillRef idx="1">
+            <a:schemeClr val="accent3"/>
+          </a:fillRef>
+          <a:effectRef idx="0">
+            <a:schemeClr val="accent3"/>
+          </a:effectRef>
+          <a:fontRef idx="minor">
+            <a:schemeClr val="lt1"/>
+          </a:fontRef>
+        </p:style>
+        <p:txBody>
+          <a:bodyPr rtlCol="0" anchor="ctr"/>
+          <a:p>
+            <a:pPr algn="ctr"/>
+            <a:r>
+              <a:rPr lang="x-none" altLang="en-US" sz="1100"/>
+              <a:t>QT config files</a:t>
+            </a:r>
+            <a:endParaRPr lang="x-none" altLang="en-US" sz="1100"/>
+          </a:p>
+        </p:txBody>
+      </p:sp>
+      <p:sp>
+        <p:nvSpPr>
+          <p:cNvPr id="34" name="Rectangle 33"/>
+          <p:cNvSpPr/>
+          <p:nvPr/>
+        </p:nvSpPr>
+        <p:spPr>
+          <a:xfrm>
+            <a:off x="6410960" y="2274570"/>
+            <a:ext cx="1441450" cy="268605"/>
+          </a:xfrm>
+          <a:prstGeom prst="rect">
+            <a:avLst/>
+          </a:prstGeom>
+          <a:solidFill>
+            <a:schemeClr val="accent6">
+              <a:lumMod val="60000"/>
+              <a:lumOff val="40000"/>
+            </a:schemeClr>
+          </a:solidFill>
+        </p:spPr>
+        <p:style>
+          <a:lnRef idx="2">
+            <a:schemeClr val="accent3">
+              <a:shade val="50000"/>
+            </a:schemeClr>
+          </a:lnRef>
+          <a:fillRef idx="1">
+            <a:schemeClr val="accent3"/>
+          </a:fillRef>
+          <a:effectRef idx="0">
+            <a:schemeClr val="accent3"/>
+          </a:effectRef>
+          <a:fontRef idx="minor">
+            <a:schemeClr val="lt1"/>
+          </a:fontRef>
+        </p:style>
+        <p:txBody>
+          <a:bodyPr rtlCol="0" anchor="ctr"/>
+          <a:p>
+            <a:pPr algn="ctr"/>
+            <a:r>
+              <a:rPr lang="x-none" altLang="en-US" sz="1100"/>
+              <a:t>global.h</a:t>
+            </a:r>
+            <a:endParaRPr lang="x-none" altLang="en-US" sz="1100"/>
+          </a:p>
+        </p:txBody>
+      </p:sp>
+      <p:sp>
+        <p:nvSpPr>
+          <p:cNvPr id="37" name="Right Brace 36"/>
+          <p:cNvSpPr/>
+          <p:nvPr/>
+        </p:nvSpPr>
+        <p:spPr>
+          <a:xfrm>
+            <a:off x="5873115" y="1609725"/>
+            <a:ext cx="348615" cy="1224915"/>
+          </a:xfrm>
+          <a:prstGeom prst="rightBrace">
+            <a:avLst/>
+          </a:prstGeom>
+        </p:spPr>
+        <p:style>
+          <a:lnRef idx="1">
+            <a:schemeClr val="dk1"/>
+          </a:lnRef>
+          <a:fillRef idx="0">
+            <a:schemeClr val="dk1"/>
+          </a:fillRef>
+          <a:effectRef idx="0">
+            <a:schemeClr val="dk1"/>
+          </a:effectRef>
+          <a:fontRef idx="minor">
+            <a:schemeClr val="tx1"/>
+          </a:fontRef>
+        </p:style>
+        <p:txBody>
+          <a:bodyPr rtlCol="0" anchor="ctr"/>
+          <a:p>
+            <a:pPr algn="ctr"/>
+            <a:endParaRPr lang="en-US"/>
+          </a:p>
+        </p:txBody>
+      </p:sp>
+      <p:sp>
+        <p:nvSpPr>
+          <p:cNvPr id="38" name="Rectangle 37"/>
+          <p:cNvSpPr/>
+          <p:nvPr/>
+        </p:nvSpPr>
+        <p:spPr>
+          <a:xfrm>
+            <a:off x="6386195" y="2835275"/>
+            <a:ext cx="2130425" cy="268605"/>
+          </a:xfrm>
+          <a:prstGeom prst="rect">
+            <a:avLst/>
+          </a:prstGeom>
+          <a:solidFill>
+            <a:schemeClr val="accent6">
+              <a:lumMod val="60000"/>
+              <a:lumOff val="40000"/>
+            </a:schemeClr>
+          </a:solidFill>
+        </p:spPr>
+        <p:style>
+          <a:lnRef idx="2">
+            <a:schemeClr val="accent3">
+              <a:shade val="50000"/>
+            </a:schemeClr>
+          </a:lnRef>
+          <a:fillRef idx="1">
+            <a:schemeClr val="accent3"/>
+          </a:fillRef>
+          <a:effectRef idx="0">
+            <a:schemeClr val="accent3"/>
+          </a:effectRef>
+          <a:fontRef idx="minor">
+            <a:schemeClr val="lt1"/>
+          </a:fontRef>
+        </p:style>
+        <p:txBody>
+          <a:bodyPr rtlCol="0" anchor="ctr"/>
+          <a:p>
+            <a:pPr algn="ctr"/>
+            <a:r>
+              <a:rPr lang="x-none" altLang="en-US" sz="1100"/>
+              <a:t>Matlab_Reflective_Operator</a:t>
+            </a:r>
+            <a:endParaRPr lang="x-none" altLang="en-US" sz="1100"/>
+          </a:p>
+        </p:txBody>
+      </p:sp>
+      <p:sp>
+        <p:nvSpPr>
+          <p:cNvPr id="40" name="Rectangle 39"/>
+          <p:cNvSpPr/>
+          <p:nvPr/>
+        </p:nvSpPr>
+        <p:spPr>
+          <a:xfrm>
+            <a:off x="6385560" y="3149600"/>
+            <a:ext cx="2130425" cy="268605"/>
+          </a:xfrm>
+          <a:prstGeom prst="rect">
+            <a:avLst/>
+          </a:prstGeom>
+          <a:solidFill>
+            <a:schemeClr val="accent6">
+              <a:lumMod val="60000"/>
+              <a:lumOff val="40000"/>
+            </a:schemeClr>
+          </a:solidFill>
+        </p:spPr>
+        <p:style>
+          <a:lnRef idx="2">
+            <a:schemeClr val="accent3">
+              <a:shade val="50000"/>
+            </a:schemeClr>
+          </a:lnRef>
+          <a:fillRef idx="1">
+            <a:schemeClr val="accent3"/>
+          </a:fillRef>
+          <a:effectRef idx="0">
+            <a:schemeClr val="accent3"/>
+          </a:effectRef>
+          <a:fontRef idx="minor">
+            <a:schemeClr val="lt1"/>
+          </a:fontRef>
+        </p:style>
+        <p:txBody>
+          <a:bodyPr rtlCol="0" anchor="ctr"/>
+          <a:p>
+            <a:pPr algn="ctr"/>
+            <a:r>
+              <a:rPr lang="x-none" altLang="en-US" sz="1100"/>
+              <a:t>Simple_C_Reflective_Operator</a:t>
+            </a:r>
+            <a:endParaRPr lang="x-none" altLang="en-US" sz="1100"/>
+          </a:p>
+        </p:txBody>
+      </p:sp>
+      <p:cxnSp>
+        <p:nvCxnSpPr>
+          <p:cNvPr id="41" name="Elbow Connector 40"/>
+          <p:cNvCxnSpPr>
+            <a:stCxn id="25" idx="3"/>
+            <a:endCxn id="38" idx="1"/>
+          </p:cNvCxnSpPr>
+          <p:nvPr/>
+        </p:nvCxnSpPr>
+        <p:spPr>
+          <a:xfrm flipV="1">
+            <a:off x="5759450" y="2969895"/>
+            <a:ext cx="626745" cy="146050"/>
+          </a:xfrm>
+          <a:prstGeom prst="bentConnector3">
+            <a:avLst>
+              <a:gd name="adj1" fmla="val 50051"/>
+            </a:avLst>
+          </a:prstGeom>
+          <a:ln>
+            <a:tailEnd type="arrow" w="med" len="med"/>
+          </a:ln>
+        </p:spPr>
+        <p:style>
+          <a:lnRef idx="1">
+            <a:schemeClr val="dk1"/>
+          </a:lnRef>
+          <a:fillRef idx="0">
+            <a:schemeClr val="dk1"/>
+          </a:fillRef>
+          <a:effectRef idx="0">
+            <a:schemeClr val="dk1"/>
+          </a:effectRef>
+          <a:fontRef idx="minor">
+            <a:schemeClr val="tx1"/>
+          </a:fontRef>
+        </p:style>
+      </p:cxnSp>
+      <p:cxnSp>
+        <p:nvCxnSpPr>
+          <p:cNvPr id="42" name="Elbow Connector 41"/>
+          <p:cNvCxnSpPr>
+            <a:stCxn id="25" idx="3"/>
+            <a:endCxn id="40" idx="1"/>
+          </p:cNvCxnSpPr>
+          <p:nvPr/>
+        </p:nvCxnSpPr>
+        <p:spPr>
+          <a:xfrm>
+            <a:off x="5759450" y="3115945"/>
+            <a:ext cx="626110" cy="168275"/>
+          </a:xfrm>
+          <a:prstGeom prst="bentConnector3">
+            <a:avLst>
+              <a:gd name="adj1" fmla="val 50000"/>
+            </a:avLst>
+          </a:prstGeom>
+          <a:ln>
+            <a:tailEnd type="arrow" w="med" len="med"/>
+          </a:ln>
+        </p:spPr>
+        <p:style>
+          <a:lnRef idx="1">
+            <a:schemeClr val="dk1"/>
+          </a:lnRef>
+          <a:fillRef idx="0">
+            <a:schemeClr val="dk1"/>
+          </a:fillRef>
+          <a:effectRef idx="0">
+            <a:schemeClr val="dk1"/>
+          </a:effectRef>
+          <a:fontRef idx="minor">
+            <a:schemeClr val="tx1"/>
+          </a:fontRef>
+        </p:style>
+      </p:cxnSp>
+      <p:sp>
+        <p:nvSpPr>
+          <p:cNvPr id="44" name="Rectangle 43"/>
+          <p:cNvSpPr/>
+          <p:nvPr/>
+        </p:nvSpPr>
+        <p:spPr>
+          <a:xfrm>
+            <a:off x="3971290" y="4656455"/>
+            <a:ext cx="2054860" cy="379095"/>
+          </a:xfrm>
+          <a:prstGeom prst="rect">
+            <a:avLst/>
+          </a:prstGeom>
+        </p:spPr>
+        <p:style>
+          <a:lnRef idx="2">
+            <a:schemeClr val="accent3">
+              <a:shade val="50000"/>
+            </a:schemeClr>
+          </a:lnRef>
+          <a:fillRef idx="1">
+            <a:schemeClr val="accent3"/>
+          </a:fillRef>
+          <a:effectRef idx="0">
+            <a:schemeClr val="accent3"/>
+          </a:effectRef>
+          <a:fontRef idx="minor">
+            <a:schemeClr val="lt1"/>
+          </a:fontRef>
+        </p:style>
+        <p:txBody>
+          <a:bodyPr rtlCol="0" anchor="ctr"/>
+          <a:p>
+            <a:pPr algn="ctr"/>
+            <a:r>
+              <a:rPr lang="x-none" altLang="en-US" sz="1300"/>
+              <a:t>ControllerAreaNetwork</a:t>
+            </a:r>
+            <a:endParaRPr lang="x-none" altLang="en-US" sz="1300"/>
+          </a:p>
+        </p:txBody>
+      </p:sp>
+      <p:sp>
+        <p:nvSpPr>
+          <p:cNvPr id="45" name="Rectangle 44"/>
+          <p:cNvSpPr/>
+          <p:nvPr/>
+        </p:nvSpPr>
+        <p:spPr>
+          <a:xfrm>
+            <a:off x="3981450" y="5163185"/>
+            <a:ext cx="2043430" cy="379095"/>
+          </a:xfrm>
+          <a:prstGeom prst="rect">
+            <a:avLst/>
+          </a:prstGeom>
+        </p:spPr>
+        <p:style>
+          <a:lnRef idx="2">
+            <a:schemeClr val="accent3">
+              <a:shade val="50000"/>
+            </a:schemeClr>
+          </a:lnRef>
+          <a:fillRef idx="1">
+            <a:schemeClr val="accent3"/>
+          </a:fillRef>
+          <a:effectRef idx="0">
+            <a:schemeClr val="accent3"/>
+          </a:effectRef>
+          <a:fontRef idx="minor">
+            <a:schemeClr val="lt1"/>
+          </a:fontRef>
+        </p:style>
+        <p:txBody>
+          <a:bodyPr rtlCol="0" anchor="ctr"/>
+          <a:p>
+            <a:pPr algn="ctr"/>
+            <a:r>
+              <a:rPr lang="x-none" altLang="en-US" sz="1300"/>
+              <a:t>Sensor-Handler</a:t>
+            </a:r>
+            <a:endParaRPr lang="x-none" altLang="en-US" sz="1300"/>
+          </a:p>
+        </p:txBody>
+      </p:sp>
+      <p:cxnSp>
+        <p:nvCxnSpPr>
+          <p:cNvPr id="47" name="Elbow Connector 46"/>
+          <p:cNvCxnSpPr>
+            <a:stCxn id="3" idx="3"/>
+            <a:endCxn id="44" idx="1"/>
+          </p:cNvCxnSpPr>
+          <p:nvPr/>
+        </p:nvCxnSpPr>
+        <p:spPr>
+          <a:xfrm flipV="1">
+            <a:off x="3701415" y="4846320"/>
+            <a:ext cx="269875" cy="274320"/>
+          </a:xfrm>
+          <a:prstGeom prst="bentConnector3">
+            <a:avLst>
+              <a:gd name="adj1" fmla="val 50118"/>
+            </a:avLst>
+          </a:prstGeom>
+          <a:ln>
+            <a:tailEnd type="arrow" w="med" len="med"/>
+          </a:ln>
+        </p:spPr>
+        <p:style>
+          <a:lnRef idx="1">
+            <a:schemeClr val="dk1"/>
+          </a:lnRef>
+          <a:fillRef idx="0">
+            <a:schemeClr val="dk1"/>
+          </a:fillRef>
+          <a:effectRef idx="0">
+            <a:schemeClr val="dk1"/>
+          </a:effectRef>
+          <a:fontRef idx="minor">
+            <a:schemeClr val="tx1"/>
+          </a:fontRef>
+        </p:style>
+      </p:cxnSp>
+      <p:cxnSp>
+        <p:nvCxnSpPr>
+          <p:cNvPr id="48" name="Elbow Connector 47"/>
+          <p:cNvCxnSpPr>
+            <a:stCxn id="3" idx="3"/>
+            <a:endCxn id="45" idx="1"/>
+          </p:cNvCxnSpPr>
+          <p:nvPr/>
+        </p:nvCxnSpPr>
+        <p:spPr>
+          <a:xfrm>
+            <a:off x="3701415" y="5120640"/>
+            <a:ext cx="280035" cy="232410"/>
+          </a:xfrm>
+          <a:prstGeom prst="bentConnector3">
+            <a:avLst>
+              <a:gd name="adj1" fmla="val 50113"/>
+            </a:avLst>
+          </a:prstGeom>
+          <a:ln>
+            <a:tailEnd type="arrow" w="med" len="med"/>
+          </a:ln>
+        </p:spPr>
+        <p:style>
+          <a:lnRef idx="1">
+            <a:schemeClr val="dk1"/>
+          </a:lnRef>
+          <a:fillRef idx="0">
+            <a:schemeClr val="dk1"/>
+          </a:fillRef>
+          <a:effectRef idx="0">
+            <a:schemeClr val="dk1"/>
+          </a:effectRef>
+          <a:fontRef idx="minor">
+            <a:schemeClr val="tx1"/>
+          </a:fontRef>
+        </p:style>
+      </p:cxnSp>
+      <p:cxnSp>
+        <p:nvCxnSpPr>
+          <p:cNvPr id="51" name="Elbow Connector 50"/>
+          <p:cNvCxnSpPr>
+            <a:stCxn id="4" idx="2"/>
+            <a:endCxn id="2" idx="1"/>
+          </p:cNvCxnSpPr>
+          <p:nvPr/>
+        </p:nvCxnSpPr>
+        <p:spPr>
+          <a:xfrm rot="5400000" flipV="1">
+            <a:off x="-361950" y="1457960"/>
+            <a:ext cx="3353435" cy="1195705"/>
+          </a:xfrm>
+          <a:prstGeom prst="bentConnector2">
+            <a:avLst/>
+          </a:prstGeom>
+          <a:ln>
+            <a:tailEnd type="arrow" w="med" len="med"/>
+          </a:ln>
+        </p:spPr>
+        <p:style>
+          <a:lnRef idx="1">
+            <a:schemeClr val="dk1"/>
+          </a:lnRef>
+          <a:fillRef idx="0">
+            <a:schemeClr val="dk1"/>
+          </a:fillRef>
+          <a:effectRef idx="0">
+            <a:schemeClr val="dk1"/>
+          </a:effectRef>
+          <a:fontRef idx="minor">
+            <a:schemeClr val="tx1"/>
+          </a:fontRef>
+        </p:style>
+      </p:cxnSp>
+      <p:cxnSp>
+        <p:nvCxnSpPr>
+          <p:cNvPr id="52" name="Elbow Connector 51"/>
+          <p:cNvCxnSpPr>
+            <a:stCxn id="4" idx="2"/>
+            <a:endCxn id="3" idx="1"/>
+          </p:cNvCxnSpPr>
+          <p:nvPr/>
+        </p:nvCxnSpPr>
+        <p:spPr>
+          <a:xfrm rot="5400000" flipV="1">
+            <a:off x="-1056005" y="2152015"/>
+            <a:ext cx="4740910" cy="1195705"/>
+          </a:xfrm>
+          <a:prstGeom prst="bentConnector2">
+            <a:avLst/>
+          </a:prstGeom>
+          <a:ln>
+            <a:tailEnd type="arrow" w="med" len="med"/>
+          </a:ln>
+        </p:spPr>
+        <p:style>
+          <a:lnRef idx="1">
+            <a:schemeClr val="dk1"/>
+          </a:lnRef>
+          <a:fillRef idx="0">
+            <a:schemeClr val="dk1"/>
+          </a:fillRef>
+          <a:effectRef idx="0">
+            <a:schemeClr val="dk1"/>
+          </a:effectRef>
+          <a:fontRef idx="minor">
+            <a:schemeClr val="tx1"/>
+          </a:fontRef>
+        </p:style>
+      </p:cxnSp>
+      <p:cxnSp>
+        <p:nvCxnSpPr>
+          <p:cNvPr id="53" name="Elbow Connector 52"/>
+          <p:cNvCxnSpPr>
+            <a:stCxn id="4" idx="2"/>
+            <a:endCxn id="6" idx="1"/>
+          </p:cNvCxnSpPr>
+          <p:nvPr/>
+        </p:nvCxnSpPr>
+        <p:spPr>
+          <a:xfrm rot="5400000" flipV="1">
+            <a:off x="-1631950" y="2727960"/>
+            <a:ext cx="5890895" cy="1193165"/>
+          </a:xfrm>
+          <a:prstGeom prst="bentConnector2">
+            <a:avLst/>
+          </a:prstGeom>
+          <a:ln>
+            <a:tailEnd type="arrow" w="med" len="med"/>
+          </a:ln>
+        </p:spPr>
+        <p:style>
+          <a:lnRef idx="1">
+            <a:schemeClr val="dk1"/>
+          </a:lnRef>
+          <a:fillRef idx="0">
+            <a:schemeClr val="dk1"/>
+          </a:fillRef>
+          <a:effectRef idx="0">
+            <a:schemeClr val="dk1"/>
+          </a:effectRef>
+          <a:fontRef idx="minor">
+            <a:schemeClr val="tx1"/>
+          </a:fontRef>
+        </p:style>
+      </p:cxnSp>
+    </p:spTree>
+  </p:cSld>
+  <p:clrMapOvr>
+    <a:masterClrMapping/>
+  </p:clrMapOvr>
+</p:sld>
+</file>
+
 <file path=ppt/theme/theme1.xml><?xml version="1.0" encoding="utf-8"?>
 <a:theme xmlns:a="http://schemas.openxmlformats.org/drawingml/2006/main" name="Office Theme">
   <a:themeElements>

--- a/diagrams/Diagrams.pptx
+++ b/diagrams/Diagrams.pptx
@@ -5374,8 +5374,8 @@
         </p:nvSpPr>
         <p:spPr>
           <a:xfrm>
-            <a:off x="22860" y="635"/>
-            <a:ext cx="1387475" cy="379095"/>
+            <a:off x="23495" y="1270"/>
+            <a:ext cx="1523365" cy="477520"/>
           </a:xfrm>
           <a:prstGeom prst="rect">
             <a:avLst/>
@@ -5402,10 +5402,10 @@
           <a:p>
             <a:pPr algn="ctr"/>
             <a:r>
-              <a:rPr lang="x-none" altLang="en-US"/>
+              <a:rPr lang="x-none" altLang="en-US" sz="1500"/>
               <a:t>DA_AMiRo</a:t>
             </a:r>
-            <a:endParaRPr lang="x-none" altLang="en-US"/>
+            <a:endParaRPr lang="x-none" altLang="en-US" sz="1500"/>
           </a:p>
         </p:txBody>
       </p:sp>
@@ -5420,8 +5420,8 @@
         </p:nvCxnSpPr>
         <p:spPr>
           <a:xfrm rot="5400000" flipV="1">
-            <a:off x="1123633" y="-26987"/>
-            <a:ext cx="395605" cy="1209040"/>
+            <a:off x="1200150" y="64135"/>
+            <a:ext cx="498475" cy="1327150"/>
           </a:xfrm>
           <a:prstGeom prst="bentConnector2">
             <a:avLst/>
@@ -5453,8 +5453,8 @@
         </p:nvSpPr>
         <p:spPr>
           <a:xfrm>
-            <a:off x="1925955" y="585470"/>
-            <a:ext cx="1761490" cy="379095"/>
+            <a:off x="2112645" y="737870"/>
+            <a:ext cx="1934210" cy="477520"/>
           </a:xfrm>
           <a:prstGeom prst="rect">
             <a:avLst/>
@@ -5499,8 +5499,8 @@
         </p:nvCxnSpPr>
         <p:spPr>
           <a:xfrm rot="5400000" flipV="1">
-            <a:off x="338138" y="758508"/>
-            <a:ext cx="1969135" cy="1211580"/>
+            <a:off x="210820" y="1053465"/>
+            <a:ext cx="2480310" cy="1330325"/>
           </a:xfrm>
           <a:prstGeom prst="bentConnector2">
             <a:avLst/>
@@ -5532,8 +5532,8 @@
         </p:nvSpPr>
         <p:spPr>
           <a:xfrm>
-            <a:off x="1928495" y="2159000"/>
-            <a:ext cx="1762125" cy="379095"/>
+            <a:off x="2115820" y="2719705"/>
+            <a:ext cx="1934845" cy="477520"/>
           </a:xfrm>
           <a:prstGeom prst="rect">
             <a:avLst/>
@@ -5575,8 +5575,8 @@
         </p:nvSpPr>
         <p:spPr>
           <a:xfrm>
-            <a:off x="3996690" y="73660"/>
-            <a:ext cx="1749425" cy="379095"/>
+            <a:off x="4386580" y="93345"/>
+            <a:ext cx="1920875" cy="477520"/>
           </a:xfrm>
           <a:prstGeom prst="rect">
             <a:avLst/>
@@ -5603,10 +5603,10 @@
           <a:p>
             <a:pPr algn="ctr"/>
             <a:r>
-              <a:rPr lang="x-none" altLang="en-US" sz="1300"/>
+              <a:rPr lang="x-none" altLang="en-US" sz="1500"/>
               <a:t>amiro-btl</a:t>
             </a:r>
-            <a:endParaRPr lang="x-none" altLang="en-US" sz="1300"/>
+            <a:endParaRPr lang="x-none" altLang="en-US" sz="1500"/>
           </a:p>
         </p:txBody>
       </p:sp>
@@ -5618,8 +5618,8 @@
         </p:nvSpPr>
         <p:spPr>
           <a:xfrm>
-            <a:off x="4006850" y="580390"/>
-            <a:ext cx="1763395" cy="379095"/>
+            <a:off x="4397375" y="731520"/>
+            <a:ext cx="1936115" cy="477520"/>
           </a:xfrm>
           <a:prstGeom prst="rect">
             <a:avLst/>
@@ -5646,10 +5646,10 @@
           <a:p>
             <a:pPr algn="ctr"/>
             <a:r>
-              <a:rPr lang="x-none" altLang="en-US" sz="1300"/>
+              <a:rPr lang="x-none" altLang="en-US" sz="1500"/>
               <a:t>amiro-os</a:t>
             </a:r>
-            <a:endParaRPr lang="x-none" altLang="en-US" sz="1300"/>
+            <a:endParaRPr lang="x-none" altLang="en-US" sz="1500"/>
           </a:p>
         </p:txBody>
       </p:sp>
@@ -5661,8 +5661,8 @@
         </p:nvSpPr>
         <p:spPr>
           <a:xfrm>
-            <a:off x="4003675" y="1080135"/>
-            <a:ext cx="1762125" cy="379095"/>
+            <a:off x="4394200" y="1360805"/>
+            <a:ext cx="1934845" cy="477520"/>
           </a:xfrm>
           <a:prstGeom prst="rect">
             <a:avLst/>
@@ -5689,10 +5689,10 @@
           <a:p>
             <a:pPr algn="ctr"/>
             <a:r>
-              <a:rPr lang="x-none" altLang="en-US" sz="1300"/>
+              <a:rPr lang="x-none" altLang="en-US" sz="1500"/>
               <a:t>ChibiOS</a:t>
             </a:r>
-            <a:endParaRPr lang="x-none" altLang="en-US" sz="1300"/>
+            <a:endParaRPr lang="x-none" altLang="en-US" sz="1500"/>
           </a:p>
         </p:txBody>
       </p:sp>
@@ -5704,8 +5704,8 @@
         </p:nvSpPr>
         <p:spPr>
           <a:xfrm>
-            <a:off x="3987165" y="1615440"/>
-            <a:ext cx="1764665" cy="379095"/>
+            <a:off x="4375785" y="2035175"/>
+            <a:ext cx="1937385" cy="477520"/>
           </a:xfrm>
           <a:prstGeom prst="rect">
             <a:avLst/>
@@ -5732,10 +5732,10 @@
           <a:p>
             <a:pPr algn="ctr"/>
             <a:r>
-              <a:rPr lang="x-none" altLang="en-US" sz="1300"/>
+              <a:rPr lang="x-none" altLang="en-US" sz="1500"/>
               <a:t>DiWheelDrive</a:t>
             </a:r>
-            <a:endParaRPr lang="x-none" altLang="en-US" sz="1300"/>
+            <a:endParaRPr lang="x-none" altLang="en-US" sz="1500"/>
           </a:p>
         </p:txBody>
       </p:sp>
@@ -5747,8 +5747,8 @@
         </p:nvSpPr>
         <p:spPr>
           <a:xfrm>
-            <a:off x="3987165" y="2050415"/>
-            <a:ext cx="1772920" cy="379095"/>
+            <a:off x="4375785" y="2583180"/>
+            <a:ext cx="1946275" cy="477520"/>
           </a:xfrm>
           <a:prstGeom prst="rect">
             <a:avLst/>
@@ -5775,10 +5775,10 @@
           <a:p>
             <a:pPr algn="ctr"/>
             <a:r>
-              <a:rPr lang="x-none" altLang="en-US" sz="1300"/>
+              <a:rPr lang="x-none" altLang="en-US" sz="1500"/>
               <a:t>PowerManagement</a:t>
             </a:r>
-            <a:endParaRPr lang="x-none" altLang="en-US" sz="1300"/>
+            <a:endParaRPr lang="x-none" altLang="en-US" sz="1500"/>
           </a:p>
         </p:txBody>
       </p:sp>
@@ -5790,8 +5790,8 @@
         </p:nvSpPr>
         <p:spPr>
           <a:xfrm>
-            <a:off x="1912620" y="3543300"/>
-            <a:ext cx="1762125" cy="379095"/>
+            <a:off x="2098040" y="4463415"/>
+            <a:ext cx="1934845" cy="477520"/>
           </a:xfrm>
           <a:prstGeom prst="rect">
             <a:avLst/>
@@ -5833,8 +5833,8 @@
         </p:nvSpPr>
         <p:spPr>
           <a:xfrm>
-            <a:off x="1912620" y="4930775"/>
-            <a:ext cx="1788795" cy="379095"/>
+            <a:off x="2098040" y="6210300"/>
+            <a:ext cx="1964055" cy="477520"/>
           </a:xfrm>
           <a:prstGeom prst="rect">
             <a:avLst/>
@@ -5876,8 +5876,8 @@
         </p:nvSpPr>
         <p:spPr>
           <a:xfrm>
-            <a:off x="1910080" y="6080760"/>
-            <a:ext cx="1788795" cy="379095"/>
+            <a:off x="2095500" y="7658735"/>
+            <a:ext cx="1964055" cy="477520"/>
           </a:xfrm>
           <a:prstGeom prst="rect">
             <a:avLst/>
@@ -5922,8 +5922,8 @@
         </p:nvCxnSpPr>
         <p:spPr>
           <a:xfrm flipV="1">
-            <a:off x="3687445" y="263525"/>
-            <a:ext cx="309245" cy="511810"/>
+            <a:off x="4046855" y="332105"/>
+            <a:ext cx="339725" cy="644525"/>
           </a:xfrm>
           <a:prstGeom prst="bentConnector3">
             <a:avLst>
@@ -5960,8 +5960,8 @@
         </p:nvCxnSpPr>
         <p:spPr>
           <a:xfrm flipV="1">
-            <a:off x="3687445" y="770255"/>
-            <a:ext cx="319405" cy="5080"/>
+            <a:off x="4046855" y="970280"/>
+            <a:ext cx="350520" cy="6350"/>
           </a:xfrm>
           <a:prstGeom prst="bentConnector3">
             <a:avLst>
@@ -5998,8 +5998,8 @@
         </p:nvCxnSpPr>
         <p:spPr>
           <a:xfrm>
-            <a:off x="3687445" y="775335"/>
-            <a:ext cx="316230" cy="494665"/>
+            <a:off x="4046855" y="977265"/>
+            <a:ext cx="347345" cy="622935"/>
           </a:xfrm>
           <a:prstGeom prst="bentConnector3">
             <a:avLst>
@@ -6033,8 +6033,8 @@
         </p:nvSpPr>
         <p:spPr>
           <a:xfrm>
-            <a:off x="3986530" y="2491105"/>
-            <a:ext cx="1764665" cy="379095"/>
+            <a:off x="4375150" y="3138170"/>
+            <a:ext cx="1937385" cy="477520"/>
           </a:xfrm>
           <a:prstGeom prst="rect">
             <a:avLst/>
@@ -6061,10 +6061,10 @@
           <a:p>
             <a:pPr algn="ctr"/>
             <a:r>
-              <a:rPr lang="x-none" altLang="en-US" sz="1300"/>
+              <a:rPr lang="x-none" altLang="en-US" sz="1500"/>
               <a:t>LightRing</a:t>
             </a:r>
-            <a:endParaRPr lang="x-none" altLang="en-US" sz="1300"/>
+            <a:endParaRPr lang="x-none" altLang="en-US" sz="1500"/>
           </a:p>
         </p:txBody>
       </p:sp>
@@ -6076,8 +6076,8 @@
         </p:nvSpPr>
         <p:spPr>
           <a:xfrm>
-            <a:off x="3986530" y="2926080"/>
-            <a:ext cx="1772920" cy="379095"/>
+            <a:off x="4375150" y="3685540"/>
+            <a:ext cx="1946275" cy="477520"/>
           </a:xfrm>
           <a:prstGeom prst="rect">
             <a:avLst/>
@@ -6104,10 +6104,10 @@
           <a:p>
             <a:pPr algn="ctr"/>
             <a:r>
-              <a:rPr lang="x-none" altLang="en-US" sz="1300"/>
+              <a:rPr lang="x-none" altLang="en-US" sz="1400"/>
               <a:t>Reflective_Opereator</a:t>
             </a:r>
-            <a:endParaRPr lang="x-none" altLang="en-US" sz="1300"/>
+            <a:endParaRPr lang="x-none" altLang="en-US" sz="1400"/>
           </a:p>
         </p:txBody>
       </p:sp>
@@ -6122,8 +6122,8 @@
         </p:nvCxnSpPr>
         <p:spPr>
           <a:xfrm flipV="1">
-            <a:off x="3690620" y="1805305"/>
-            <a:ext cx="296545" cy="543560"/>
+            <a:off x="4050030" y="2273935"/>
+            <a:ext cx="325755" cy="684530"/>
           </a:xfrm>
           <a:prstGeom prst="bentConnector3">
             <a:avLst>
@@ -6160,8 +6160,8 @@
         </p:nvCxnSpPr>
         <p:spPr>
           <a:xfrm flipV="1">
-            <a:off x="3690620" y="2240280"/>
-            <a:ext cx="296545" cy="108585"/>
+            <a:off x="4050030" y="2821940"/>
+            <a:ext cx="325755" cy="136525"/>
           </a:xfrm>
           <a:prstGeom prst="bentConnector3">
             <a:avLst>
@@ -6198,8 +6198,8 @@
         </p:nvCxnSpPr>
         <p:spPr>
           <a:xfrm>
-            <a:off x="3690620" y="2348865"/>
-            <a:ext cx="295910" cy="332105"/>
+            <a:off x="4050030" y="2958465"/>
+            <a:ext cx="325120" cy="418465"/>
           </a:xfrm>
           <a:prstGeom prst="bentConnector3">
             <a:avLst>
@@ -6236,8 +6236,8 @@
         </p:nvCxnSpPr>
         <p:spPr>
           <a:xfrm>
-            <a:off x="3690620" y="2348865"/>
-            <a:ext cx="295910" cy="767080"/>
+            <a:off x="4050030" y="2958465"/>
+            <a:ext cx="325120" cy="965835"/>
           </a:xfrm>
           <a:prstGeom prst="bentConnector3">
             <a:avLst>
@@ -6271,8 +6271,8 @@
         </p:nvSpPr>
         <p:spPr>
           <a:xfrm>
-            <a:off x="3986530" y="3532505"/>
-            <a:ext cx="1772920" cy="379095"/>
+            <a:off x="4375150" y="4449445"/>
+            <a:ext cx="1946275" cy="477520"/>
           </a:xfrm>
           <a:prstGeom prst="rect">
             <a:avLst/>
@@ -6299,10 +6299,10 @@
           <a:p>
             <a:pPr algn="ctr"/>
             <a:r>
-              <a:rPr lang="x-none" altLang="en-US" sz="1300"/>
+              <a:rPr lang="x-none" altLang="en-US" sz="1500"/>
               <a:t>Previous papers &amp; presentations</a:t>
             </a:r>
-            <a:endParaRPr lang="x-none" altLang="en-US" sz="1300"/>
+            <a:endParaRPr lang="x-none" altLang="en-US" sz="1500"/>
           </a:p>
         </p:txBody>
       </p:sp>
@@ -6317,8 +6317,8 @@
         </p:nvCxnSpPr>
         <p:spPr>
           <a:xfrm flipV="1">
-            <a:off x="3674745" y="3722370"/>
-            <a:ext cx="311785" cy="10795"/>
+            <a:off x="4032885" y="4688840"/>
+            <a:ext cx="342265" cy="13335"/>
           </a:xfrm>
           <a:prstGeom prst="straightConnector1">
             <a:avLst/>
@@ -6350,8 +6350,8 @@
         </p:nvSpPr>
         <p:spPr>
           <a:xfrm>
-            <a:off x="6410325" y="1938655"/>
-            <a:ext cx="1441450" cy="268605"/>
+            <a:off x="7036435" y="2442210"/>
+            <a:ext cx="1582420" cy="338455"/>
           </a:xfrm>
           <a:prstGeom prst="rect">
             <a:avLst/>
@@ -6384,10 +6384,10 @@
           <a:p>
             <a:pPr algn="ctr"/>
             <a:r>
-              <a:rPr lang="x-none" altLang="en-US" sz="1100"/>
+              <a:rPr lang="x-none" altLang="en-US" sz="1500"/>
               <a:t>QT config files</a:t>
             </a:r>
-            <a:endParaRPr lang="x-none" altLang="en-US" sz="1100"/>
+            <a:endParaRPr lang="x-none" altLang="en-US" sz="1500"/>
           </a:p>
         </p:txBody>
       </p:sp>
@@ -6399,8 +6399,8 @@
         </p:nvSpPr>
         <p:spPr>
           <a:xfrm>
-            <a:off x="6410960" y="2274570"/>
-            <a:ext cx="1441450" cy="268605"/>
+            <a:off x="7037070" y="2865120"/>
+            <a:ext cx="1582420" cy="338455"/>
           </a:xfrm>
           <a:prstGeom prst="rect">
             <a:avLst/>
@@ -6433,10 +6433,10 @@
           <a:p>
             <a:pPr algn="ctr"/>
             <a:r>
-              <a:rPr lang="x-none" altLang="en-US" sz="1100"/>
+              <a:rPr lang="x-none" altLang="en-US" sz="1500"/>
               <a:t>global.h</a:t>
             </a:r>
-            <a:endParaRPr lang="x-none" altLang="en-US" sz="1100"/>
+            <a:endParaRPr lang="x-none" altLang="en-US" sz="1500"/>
           </a:p>
         </p:txBody>
       </p:sp>
@@ -6448,8 +6448,8 @@
         </p:nvSpPr>
         <p:spPr>
           <a:xfrm>
-            <a:off x="5873115" y="1609725"/>
-            <a:ext cx="348615" cy="1224915"/>
+            <a:off x="6446520" y="2027555"/>
+            <a:ext cx="382905" cy="1543050"/>
           </a:xfrm>
           <a:prstGeom prst="rightBrace">
             <a:avLst/>
@@ -6473,7 +6473,7 @@
           <a:bodyPr rtlCol="0" anchor="ctr"/>
           <a:p>
             <a:pPr algn="ctr"/>
-            <a:endParaRPr lang="en-US"/>
+            <a:endParaRPr lang="en-US" sz="1500"/>
           </a:p>
         </p:txBody>
       </p:sp>
@@ -6485,8 +6485,8 @@
         </p:nvSpPr>
         <p:spPr>
           <a:xfrm>
-            <a:off x="6386195" y="2835275"/>
-            <a:ext cx="2130425" cy="268605"/>
+            <a:off x="7010400" y="3475355"/>
+            <a:ext cx="2338705" cy="434975"/>
           </a:xfrm>
           <a:prstGeom prst="rect">
             <a:avLst/>
@@ -6519,10 +6519,10 @@
           <a:p>
             <a:pPr algn="ctr"/>
             <a:r>
-              <a:rPr lang="x-none" altLang="en-US" sz="1100"/>
+              <a:rPr lang="x-none" altLang="en-US" sz="1500"/>
               <a:t>Matlab_Reflective_Operator</a:t>
             </a:r>
-            <a:endParaRPr lang="x-none" altLang="en-US" sz="1100"/>
+            <a:endParaRPr lang="x-none" altLang="en-US" sz="1500"/>
           </a:p>
         </p:txBody>
       </p:sp>
@@ -6534,8 +6534,8 @@
         </p:nvSpPr>
         <p:spPr>
           <a:xfrm>
-            <a:off x="6385560" y="3149600"/>
-            <a:ext cx="2130425" cy="268605"/>
+            <a:off x="7009765" y="3946525"/>
+            <a:ext cx="2338705" cy="455930"/>
           </a:xfrm>
           <a:prstGeom prst="rect">
             <a:avLst/>
@@ -6568,10 +6568,10 @@
           <a:p>
             <a:pPr algn="ctr"/>
             <a:r>
-              <a:rPr lang="x-none" altLang="en-US" sz="1100"/>
+              <a:rPr lang="x-none" altLang="en-US" sz="1500"/>
               <a:t>Simple_C_Reflective_Operator</a:t>
             </a:r>
-            <a:endParaRPr lang="x-none" altLang="en-US" sz="1100"/>
+            <a:endParaRPr lang="x-none" altLang="en-US" sz="1500"/>
           </a:p>
         </p:txBody>
       </p:sp>
@@ -6586,12 +6586,12 @@
         </p:nvCxnSpPr>
         <p:spPr>
           <a:xfrm flipV="1">
-            <a:off x="5759450" y="2969895"/>
-            <a:ext cx="626745" cy="146050"/>
+            <a:off x="6321425" y="3693160"/>
+            <a:ext cx="688975" cy="231140"/>
           </a:xfrm>
           <a:prstGeom prst="bentConnector3">
             <a:avLst>
-              <a:gd name="adj1" fmla="val 50051"/>
+              <a:gd name="adj1" fmla="val 50046"/>
             </a:avLst>
           </a:prstGeom>
           <a:ln>
@@ -6624,8 +6624,8 @@
         </p:nvCxnSpPr>
         <p:spPr>
           <a:xfrm>
-            <a:off x="5759450" y="3115945"/>
-            <a:ext cx="626110" cy="168275"/>
+            <a:off x="6321425" y="3924300"/>
+            <a:ext cx="688340" cy="250190"/>
           </a:xfrm>
           <a:prstGeom prst="bentConnector3">
             <a:avLst>
@@ -6659,8 +6659,8 @@
         </p:nvSpPr>
         <p:spPr>
           <a:xfrm>
-            <a:off x="3971290" y="4656455"/>
-            <a:ext cx="2054860" cy="379095"/>
+            <a:off x="4358640" y="5864860"/>
+            <a:ext cx="2256155" cy="477520"/>
           </a:xfrm>
           <a:prstGeom prst="rect">
             <a:avLst/>
@@ -6687,10 +6687,10 @@
           <a:p>
             <a:pPr algn="ctr"/>
             <a:r>
-              <a:rPr lang="x-none" altLang="en-US" sz="1300"/>
+              <a:rPr lang="x-none" altLang="en-US" sz="1500"/>
               <a:t>ControllerAreaNetwork</a:t>
             </a:r>
-            <a:endParaRPr lang="x-none" altLang="en-US" sz="1300"/>
+            <a:endParaRPr lang="x-none" altLang="en-US" sz="1500"/>
           </a:p>
         </p:txBody>
       </p:sp>
@@ -6702,8 +6702,8 @@
         </p:nvSpPr>
         <p:spPr>
           <a:xfrm>
-            <a:off x="3981450" y="5163185"/>
-            <a:ext cx="2043430" cy="379095"/>
+            <a:off x="4369435" y="6503035"/>
+            <a:ext cx="2243455" cy="477520"/>
           </a:xfrm>
           <a:prstGeom prst="rect">
             <a:avLst/>
@@ -6730,10 +6730,10 @@
           <a:p>
             <a:pPr algn="ctr"/>
             <a:r>
-              <a:rPr lang="x-none" altLang="en-US" sz="1300"/>
+              <a:rPr lang="x-none" altLang="en-US" sz="1500"/>
               <a:t>Sensor-Handler</a:t>
             </a:r>
-            <a:endParaRPr lang="x-none" altLang="en-US" sz="1300"/>
+            <a:endParaRPr lang="x-none" altLang="en-US" sz="1500"/>
           </a:p>
         </p:txBody>
       </p:sp>
@@ -6748,8 +6748,8 @@
         </p:nvCxnSpPr>
         <p:spPr>
           <a:xfrm flipV="1">
-            <a:off x="3701415" y="4846320"/>
-            <a:ext cx="269875" cy="274320"/>
+            <a:off x="4062095" y="6104255"/>
+            <a:ext cx="296545" cy="345440"/>
           </a:xfrm>
           <a:prstGeom prst="bentConnector3">
             <a:avLst>
@@ -6786,8 +6786,8 @@
         </p:nvCxnSpPr>
         <p:spPr>
           <a:xfrm>
-            <a:off x="3701415" y="5120640"/>
-            <a:ext cx="280035" cy="232410"/>
+            <a:off x="4062095" y="6449695"/>
+            <a:ext cx="307340" cy="292735"/>
           </a:xfrm>
           <a:prstGeom prst="bentConnector3">
             <a:avLst>
@@ -6824,8 +6824,8 @@
         </p:nvCxnSpPr>
         <p:spPr>
           <a:xfrm rot="5400000" flipV="1">
-            <a:off x="-361950" y="1457960"/>
-            <a:ext cx="3353435" cy="1195705"/>
+            <a:off x="-669925" y="1933575"/>
+            <a:ext cx="4223385" cy="1312545"/>
           </a:xfrm>
           <a:prstGeom prst="bentConnector2">
             <a:avLst/>
@@ -6860,8 +6860,8 @@
         </p:nvCxnSpPr>
         <p:spPr>
           <a:xfrm rot="5400000" flipV="1">
-            <a:off x="-1056005" y="2152015"/>
-            <a:ext cx="4740910" cy="1195705"/>
+            <a:off x="-1543685" y="2807335"/>
+            <a:ext cx="5970905" cy="1312545"/>
           </a:xfrm>
           <a:prstGeom prst="bentConnector2">
             <a:avLst/>
@@ -6896,11 +6896,434 @@
         </p:nvCxnSpPr>
         <p:spPr>
           <a:xfrm rot="5400000" flipV="1">
-            <a:off x="-1631950" y="2727960"/>
-            <a:ext cx="5890895" cy="1193165"/>
+            <a:off x="-2269490" y="3532505"/>
+            <a:ext cx="7419340" cy="1310005"/>
           </a:xfrm>
           <a:prstGeom prst="bentConnector2">
             <a:avLst/>
+          </a:prstGeom>
+          <a:ln>
+            <a:tailEnd type="arrow" w="med" len="med"/>
+          </a:ln>
+        </p:spPr>
+        <p:style>
+          <a:lnRef idx="1">
+            <a:schemeClr val="dk1"/>
+          </a:lnRef>
+          <a:fillRef idx="0">
+            <a:schemeClr val="dk1"/>
+          </a:fillRef>
+          <a:effectRef idx="0">
+            <a:schemeClr val="dk1"/>
+          </a:effectRef>
+          <a:fontRef idx="minor">
+            <a:schemeClr val="tx1"/>
+          </a:fontRef>
+        </p:style>
+      </p:cxnSp>
+      <p:sp>
+        <p:nvSpPr>
+          <p:cNvPr id="10" name="Rectangle 9"/>
+          <p:cNvSpPr/>
+          <p:nvPr/>
+        </p:nvSpPr>
+        <p:spPr>
+          <a:xfrm>
+            <a:off x="7018020" y="4455795"/>
+            <a:ext cx="2338705" cy="338455"/>
+          </a:xfrm>
+          <a:prstGeom prst="rect">
+            <a:avLst/>
+          </a:prstGeom>
+          <a:solidFill>
+            <a:schemeClr val="accent6">
+              <a:lumMod val="60000"/>
+              <a:lumOff val="40000"/>
+            </a:schemeClr>
+          </a:solidFill>
+        </p:spPr>
+        <p:style>
+          <a:lnRef idx="2">
+            <a:schemeClr val="accent3">
+              <a:shade val="50000"/>
+            </a:schemeClr>
+          </a:lnRef>
+          <a:fillRef idx="1">
+            <a:schemeClr val="accent3"/>
+          </a:fillRef>
+          <a:effectRef idx="0">
+            <a:schemeClr val="accent3"/>
+          </a:effectRef>
+          <a:fontRef idx="minor">
+            <a:schemeClr val="lt1"/>
+          </a:fontRef>
+        </p:style>
+        <p:txBody>
+          <a:bodyPr rtlCol="0" anchor="ctr"/>
+          <a:p>
+            <a:pPr algn="ctr"/>
+            <a:r>
+              <a:rPr lang="x-none" altLang="en-US" sz="1500"/>
+              <a:t>Demo_Applications</a:t>
+            </a:r>
+            <a:endParaRPr lang="x-none" altLang="en-US" sz="1500"/>
+          </a:p>
+        </p:txBody>
+      </p:sp>
+      <p:cxnSp>
+        <p:nvCxnSpPr>
+          <p:cNvPr id="15" name="Elbow Connector 14"/>
+          <p:cNvCxnSpPr>
+            <a:stCxn id="25" idx="3"/>
+            <a:endCxn id="10" idx="1"/>
+          </p:cNvCxnSpPr>
+          <p:nvPr/>
+        </p:nvCxnSpPr>
+        <p:spPr>
+          <a:xfrm>
+            <a:off x="6321425" y="3924300"/>
+            <a:ext cx="696595" cy="701040"/>
+          </a:xfrm>
+          <a:prstGeom prst="bentConnector3">
+            <a:avLst>
+              <a:gd name="adj1" fmla="val 50046"/>
+            </a:avLst>
+          </a:prstGeom>
+          <a:ln>
+            <a:tailEnd type="arrow" w="med" len="med"/>
+          </a:ln>
+        </p:spPr>
+        <p:style>
+          <a:lnRef idx="1">
+            <a:schemeClr val="dk1"/>
+          </a:lnRef>
+          <a:fillRef idx="0">
+            <a:schemeClr val="dk1"/>
+          </a:fillRef>
+          <a:effectRef idx="0">
+            <a:schemeClr val="dk1"/>
+          </a:effectRef>
+          <a:fontRef idx="minor">
+            <a:schemeClr val="tx1"/>
+          </a:fontRef>
+        </p:style>
+      </p:cxnSp>
+      <p:sp>
+        <p:nvSpPr>
+          <p:cNvPr id="17" name="Rectangle 16"/>
+          <p:cNvSpPr/>
+          <p:nvPr/>
+        </p:nvSpPr>
+        <p:spPr>
+          <a:xfrm>
+            <a:off x="9923780" y="4949190"/>
+            <a:ext cx="2278380" cy="497205"/>
+          </a:xfrm>
+          <a:prstGeom prst="rect">
+            <a:avLst/>
+          </a:prstGeom>
+          <a:solidFill>
+            <a:srgbClr val="7030A0"/>
+          </a:solidFill>
+        </p:spPr>
+        <p:style>
+          <a:lnRef idx="2">
+            <a:schemeClr val="accent3">
+              <a:shade val="50000"/>
+            </a:schemeClr>
+          </a:lnRef>
+          <a:fillRef idx="1">
+            <a:schemeClr val="accent3"/>
+          </a:fillRef>
+          <a:effectRef idx="0">
+            <a:schemeClr val="accent3"/>
+          </a:effectRef>
+          <a:fontRef idx="minor">
+            <a:schemeClr val="lt1"/>
+          </a:fontRef>
+        </p:style>
+        <p:txBody>
+          <a:bodyPr rtlCol="0" anchor="ctr"/>
+          <a:p>
+            <a:pPr algn="ctr"/>
+            <a:r>
+              <a:rPr lang="x-none" altLang="en-US" sz="1500"/>
+              <a:t>Demo_Matlab_Reflective_Operator</a:t>
+            </a:r>
+            <a:endParaRPr lang="x-none" altLang="en-US" sz="1500"/>
+          </a:p>
+        </p:txBody>
+      </p:sp>
+      <p:cxnSp>
+        <p:nvCxnSpPr>
+          <p:cNvPr id="19" name="Elbow Connector 18"/>
+          <p:cNvCxnSpPr>
+            <a:stCxn id="10" idx="3"/>
+            <a:endCxn id="17" idx="1"/>
+          </p:cNvCxnSpPr>
+          <p:nvPr/>
+        </p:nvCxnSpPr>
+        <p:spPr>
+          <a:xfrm>
+            <a:off x="9356725" y="4625340"/>
+            <a:ext cx="567055" cy="572770"/>
+          </a:xfrm>
+          <a:prstGeom prst="bentConnector3">
+            <a:avLst>
+              <a:gd name="adj1" fmla="val 50056"/>
+            </a:avLst>
+          </a:prstGeom>
+          <a:ln>
+            <a:tailEnd type="arrow" w="med" len="med"/>
+          </a:ln>
+        </p:spPr>
+        <p:style>
+          <a:lnRef idx="1">
+            <a:schemeClr val="dk1"/>
+          </a:lnRef>
+          <a:fillRef idx="0">
+            <a:schemeClr val="dk1"/>
+          </a:fillRef>
+          <a:effectRef idx="0">
+            <a:schemeClr val="dk1"/>
+          </a:effectRef>
+          <a:fontRef idx="minor">
+            <a:schemeClr val="tx1"/>
+          </a:fontRef>
+        </p:style>
+      </p:cxnSp>
+      <p:sp>
+        <p:nvSpPr>
+          <p:cNvPr id="21" name="Rectangle 20"/>
+          <p:cNvSpPr/>
+          <p:nvPr/>
+        </p:nvSpPr>
+        <p:spPr>
+          <a:xfrm>
+            <a:off x="9912350" y="3195320"/>
+            <a:ext cx="2270760" cy="486410"/>
+          </a:xfrm>
+          <a:prstGeom prst="rect">
+            <a:avLst/>
+          </a:prstGeom>
+          <a:solidFill>
+            <a:srgbClr val="7030A0"/>
+          </a:solidFill>
+        </p:spPr>
+        <p:style>
+          <a:lnRef idx="2">
+            <a:schemeClr val="accent3">
+              <a:shade val="50000"/>
+            </a:schemeClr>
+          </a:lnRef>
+          <a:fillRef idx="1">
+            <a:schemeClr val="accent3"/>
+          </a:fillRef>
+          <a:effectRef idx="0">
+            <a:schemeClr val="accent3"/>
+          </a:effectRef>
+          <a:fontRef idx="minor">
+            <a:schemeClr val="lt1"/>
+          </a:fontRef>
+        </p:style>
+        <p:txBody>
+          <a:bodyPr rtlCol="0" anchor="ctr"/>
+          <a:p>
+            <a:pPr algn="ctr"/>
+            <a:r>
+              <a:rPr lang="x-none" altLang="en-US" sz="1500"/>
+              <a:t>Demo_Receiver_Reflective_Operator</a:t>
+            </a:r>
+            <a:endParaRPr lang="x-none" altLang="en-US" sz="1500"/>
+          </a:p>
+        </p:txBody>
+      </p:sp>
+      <p:cxnSp>
+        <p:nvCxnSpPr>
+          <p:cNvPr id="23" name="Elbow Connector 22"/>
+          <p:cNvCxnSpPr>
+            <a:stCxn id="10" idx="3"/>
+            <a:endCxn id="21" idx="1"/>
+          </p:cNvCxnSpPr>
+          <p:nvPr/>
+        </p:nvCxnSpPr>
+        <p:spPr>
+          <a:xfrm flipV="1">
+            <a:off x="9356725" y="3438525"/>
+            <a:ext cx="555625" cy="1186815"/>
+          </a:xfrm>
+          <a:prstGeom prst="bentConnector3">
+            <a:avLst>
+              <a:gd name="adj1" fmla="val 50057"/>
+            </a:avLst>
+          </a:prstGeom>
+          <a:ln>
+            <a:tailEnd type="arrow" w="med" len="med"/>
+          </a:ln>
+        </p:spPr>
+        <p:style>
+          <a:lnRef idx="1">
+            <a:schemeClr val="dk1"/>
+          </a:lnRef>
+          <a:fillRef idx="0">
+            <a:schemeClr val="dk1"/>
+          </a:fillRef>
+          <a:effectRef idx="0">
+            <a:schemeClr val="dk1"/>
+          </a:effectRef>
+          <a:fontRef idx="minor">
+            <a:schemeClr val="tx1"/>
+          </a:fontRef>
+        </p:style>
+      </p:cxnSp>
+      <p:sp>
+        <p:nvSpPr>
+          <p:cNvPr id="33" name="Rectangle 32"/>
+          <p:cNvSpPr/>
+          <p:nvPr/>
+        </p:nvSpPr>
+        <p:spPr>
+          <a:xfrm>
+            <a:off x="9907905" y="3830320"/>
+            <a:ext cx="2289175" cy="465455"/>
+          </a:xfrm>
+          <a:prstGeom prst="rect">
+            <a:avLst/>
+          </a:prstGeom>
+          <a:solidFill>
+            <a:srgbClr val="7030A0"/>
+          </a:solidFill>
+        </p:spPr>
+        <p:style>
+          <a:lnRef idx="2">
+            <a:schemeClr val="accent3">
+              <a:shade val="50000"/>
+            </a:schemeClr>
+          </a:lnRef>
+          <a:fillRef idx="1">
+            <a:schemeClr val="accent3"/>
+          </a:fillRef>
+          <a:effectRef idx="0">
+            <a:schemeClr val="accent3"/>
+          </a:effectRef>
+          <a:fontRef idx="minor">
+            <a:schemeClr val="lt1"/>
+          </a:fontRef>
+        </p:style>
+        <p:txBody>
+          <a:bodyPr rtlCol="0" anchor="ctr"/>
+          <a:p>
+            <a:pPr algn="ctr"/>
+            <a:r>
+              <a:rPr lang="x-none" altLang="en-US" sz="1500"/>
+              <a:t>Demo_Sender_Reflective_Operator</a:t>
+            </a:r>
+            <a:endParaRPr lang="x-none" altLang="en-US" sz="1500"/>
+          </a:p>
+        </p:txBody>
+      </p:sp>
+      <p:cxnSp>
+        <p:nvCxnSpPr>
+          <p:cNvPr id="35" name="Elbow Connector 34"/>
+          <p:cNvCxnSpPr>
+            <a:stCxn id="10" idx="3"/>
+            <a:endCxn id="33" idx="1"/>
+          </p:cNvCxnSpPr>
+          <p:nvPr/>
+        </p:nvCxnSpPr>
+        <p:spPr>
+          <a:xfrm flipV="1">
+            <a:off x="9356725" y="4063365"/>
+            <a:ext cx="551180" cy="561975"/>
+          </a:xfrm>
+          <a:prstGeom prst="bentConnector3">
+            <a:avLst>
+              <a:gd name="adj1" fmla="val 50000"/>
+            </a:avLst>
+          </a:prstGeom>
+          <a:ln>
+            <a:tailEnd type="arrow" w="med" len="med"/>
+          </a:ln>
+        </p:spPr>
+        <p:style>
+          <a:lnRef idx="1">
+            <a:schemeClr val="dk1"/>
+          </a:lnRef>
+          <a:fillRef idx="0">
+            <a:schemeClr val="dk1"/>
+          </a:fillRef>
+          <a:effectRef idx="0">
+            <a:schemeClr val="dk1"/>
+          </a:effectRef>
+          <a:fontRef idx="minor">
+            <a:schemeClr val="tx1"/>
+          </a:fontRef>
+        </p:style>
+      </p:cxnSp>
+      <p:sp>
+        <p:nvSpPr>
+          <p:cNvPr id="36" name="Rectangle 35"/>
+          <p:cNvSpPr/>
+          <p:nvPr/>
+        </p:nvSpPr>
+        <p:spPr>
+          <a:xfrm>
+            <a:off x="9909810" y="4414520"/>
+            <a:ext cx="2303145" cy="422910"/>
+          </a:xfrm>
+          <a:prstGeom prst="rect">
+            <a:avLst/>
+          </a:prstGeom>
+          <a:solidFill>
+            <a:srgbClr val="7030A0"/>
+          </a:solidFill>
+        </p:spPr>
+        <p:style>
+          <a:lnRef idx="2">
+            <a:schemeClr val="accent3">
+              <a:shade val="50000"/>
+            </a:schemeClr>
+          </a:lnRef>
+          <a:fillRef idx="1">
+            <a:schemeClr val="accent3"/>
+          </a:fillRef>
+          <a:effectRef idx="0">
+            <a:schemeClr val="accent3"/>
+          </a:effectRef>
+          <a:fontRef idx="minor">
+            <a:schemeClr val="lt1"/>
+          </a:fontRef>
+        </p:style>
+        <p:txBody>
+          <a:bodyPr rtlCol="0" anchor="ctr"/>
+          <a:p>
+            <a:pPr algn="ctr"/>
+            <a:r>
+              <a:rPr lang="x-none" altLang="en-US" sz="1500"/>
+              <a:t>Demo_Standalone_Reflective_Operator</a:t>
+            </a:r>
+            <a:endParaRPr lang="x-none" altLang="en-US" sz="1500"/>
+          </a:p>
+        </p:txBody>
+      </p:sp>
+      <p:cxnSp>
+        <p:nvCxnSpPr>
+          <p:cNvPr id="39" name="Elbow Connector 38"/>
+          <p:cNvCxnSpPr>
+            <a:stCxn id="10" idx="3"/>
+            <a:endCxn id="36" idx="1"/>
+          </p:cNvCxnSpPr>
+          <p:nvPr/>
+        </p:nvCxnSpPr>
+        <p:spPr>
+          <a:xfrm>
+            <a:off x="9356725" y="4625340"/>
+            <a:ext cx="553085" cy="635"/>
+          </a:xfrm>
+          <a:prstGeom prst="bentConnector3">
+            <a:avLst>
+              <a:gd name="adj1" fmla="val 50057"/>
+            </a:avLst>
           </a:prstGeom>
           <a:ln>
             <a:tailEnd type="arrow" w="med" len="med"/>
